--- a/CPEN 333 - Assignment 1 - The Elevator.pptx
+++ b/CPEN 333 - Assignment 1 - The Elevator.pptx
@@ -290,7 +290,7 @@
             <a:fld id="{F60F9719-B686-4138-A0D7-43E295ACE2F0}" type="datetimeFigureOut">
               <a:rPr lang="en-US" smtClean="0"/>
               <a:pPr/>
-              <a:t>9/20/2019</a:t>
+              <a:t>9/29/2019</a:t>
             </a:fld>
             <a:endParaRPr lang="en-US"/>
           </a:p>
@@ -457,7 +457,7 @@
             <a:fld id="{F60F9719-B686-4138-A0D7-43E295ACE2F0}" type="datetimeFigureOut">
               <a:rPr lang="en-US" smtClean="0"/>
               <a:pPr/>
-              <a:t>9/20/2019</a:t>
+              <a:t>9/29/2019</a:t>
             </a:fld>
             <a:endParaRPr lang="en-US"/>
           </a:p>
@@ -634,7 +634,7 @@
             <a:fld id="{F60F9719-B686-4138-A0D7-43E295ACE2F0}" type="datetimeFigureOut">
               <a:rPr lang="en-US" smtClean="0"/>
               <a:pPr/>
-              <a:t>9/20/2019</a:t>
+              <a:t>9/29/2019</a:t>
             </a:fld>
             <a:endParaRPr lang="en-US"/>
           </a:p>
@@ -801,7 +801,7 @@
             <a:fld id="{F60F9719-B686-4138-A0D7-43E295ACE2F0}" type="datetimeFigureOut">
               <a:rPr lang="en-US" smtClean="0"/>
               <a:pPr/>
-              <a:t>9/20/2019</a:t>
+              <a:t>9/29/2019</a:t>
             </a:fld>
             <a:endParaRPr lang="en-US"/>
           </a:p>
@@ -1044,7 +1044,7 @@
             <a:fld id="{F60F9719-B686-4138-A0D7-43E295ACE2F0}" type="datetimeFigureOut">
               <a:rPr lang="en-US" smtClean="0"/>
               <a:pPr/>
-              <a:t>9/20/2019</a:t>
+              <a:t>9/29/2019</a:t>
             </a:fld>
             <a:endParaRPr lang="en-US"/>
           </a:p>
@@ -1329,7 +1329,7 @@
             <a:fld id="{F60F9719-B686-4138-A0D7-43E295ACE2F0}" type="datetimeFigureOut">
               <a:rPr lang="en-US" smtClean="0"/>
               <a:pPr/>
-              <a:t>9/20/2019</a:t>
+              <a:t>9/29/2019</a:t>
             </a:fld>
             <a:endParaRPr lang="en-US"/>
           </a:p>
@@ -1748,7 +1748,7 @@
             <a:fld id="{F60F9719-B686-4138-A0D7-43E295ACE2F0}" type="datetimeFigureOut">
               <a:rPr lang="en-US" smtClean="0"/>
               <a:pPr/>
-              <a:t>9/20/2019</a:t>
+              <a:t>9/29/2019</a:t>
             </a:fld>
             <a:endParaRPr lang="en-US"/>
           </a:p>
@@ -1863,7 +1863,7 @@
             <a:fld id="{F60F9719-B686-4138-A0D7-43E295ACE2F0}" type="datetimeFigureOut">
               <a:rPr lang="en-US" smtClean="0"/>
               <a:pPr/>
-              <a:t>9/20/2019</a:t>
+              <a:t>9/29/2019</a:t>
             </a:fld>
             <a:endParaRPr lang="en-US"/>
           </a:p>
@@ -1955,7 +1955,7 @@
             <a:fld id="{F60F9719-B686-4138-A0D7-43E295ACE2F0}" type="datetimeFigureOut">
               <a:rPr lang="en-US" smtClean="0"/>
               <a:pPr/>
-              <a:t>9/20/2019</a:t>
+              <a:t>9/29/2019</a:t>
             </a:fld>
             <a:endParaRPr lang="en-US"/>
           </a:p>
@@ -2229,7 +2229,7 @@
             <a:fld id="{F60F9719-B686-4138-A0D7-43E295ACE2F0}" type="datetimeFigureOut">
               <a:rPr lang="en-US" smtClean="0"/>
               <a:pPr/>
-              <a:t>9/20/2019</a:t>
+              <a:t>9/29/2019</a:t>
             </a:fld>
             <a:endParaRPr lang="en-US"/>
           </a:p>
@@ -2479,7 +2479,7 @@
             <a:fld id="{F60F9719-B686-4138-A0D7-43E295ACE2F0}" type="datetimeFigureOut">
               <a:rPr lang="en-US" smtClean="0"/>
               <a:pPr/>
-              <a:t>9/20/2019</a:t>
+              <a:t>9/29/2019</a:t>
             </a:fld>
             <a:endParaRPr lang="en-US"/>
           </a:p>
@@ -2689,7 +2689,7 @@
             <a:fld id="{F60F9719-B686-4138-A0D7-43E295ACE2F0}" type="datetimeFigureOut">
               <a:rPr lang="en-US" smtClean="0"/>
               <a:pPr/>
-              <a:t>9/20/2019</a:t>
+              <a:t>9/29/2019</a:t>
             </a:fld>
             <a:endParaRPr lang="en-US"/>
           </a:p>
@@ -13481,6 +13481,137 @@
           </a:p>
         </p:txBody>
       </p:sp>
+      <p:sp>
+        <p:nvSpPr>
+          <p:cNvPr id="186" name="TextBox 185"/>
+          <p:cNvSpPr txBox="1"/>
+          <p:nvPr/>
+        </p:nvSpPr>
+        <p:spPr>
+          <a:xfrm>
+            <a:off x="7573992" y="668287"/>
+            <a:ext cx="1311216" cy="707886"/>
+          </a:xfrm>
+          <a:prstGeom prst="rect">
+            <a:avLst/>
+          </a:prstGeom>
+          <a:solidFill>
+            <a:srgbClr val="FF0000"/>
+          </a:solidFill>
+          <a:ln>
+            <a:solidFill>
+              <a:schemeClr val="tx1"/>
+            </a:solidFill>
+          </a:ln>
+        </p:spPr>
+        <p:txBody>
+          <a:bodyPr wrap="square" rtlCol="0">
+            <a:spAutoFit/>
+          </a:bodyPr>
+          <a:lstStyle>
+            <a:defPPr>
+              <a:defRPr lang="en-US"/>
+            </a:defPPr>
+            <a:lvl1pPr marL="0" algn="l" defTabSz="914400" rtl="0" eaLnBrk="1" latinLnBrk="0" hangingPunct="1">
+              <a:defRPr sz="1800" kern="1200">
+                <a:solidFill>
+                  <a:schemeClr val="tx1"/>
+                </a:solidFill>
+                <a:latin typeface="+mn-lt"/>
+                <a:ea typeface="+mn-ea"/>
+                <a:cs typeface="+mn-cs"/>
+              </a:defRPr>
+            </a:lvl1pPr>
+            <a:lvl2pPr marL="457200" algn="l" defTabSz="914400" rtl="0" eaLnBrk="1" latinLnBrk="0" hangingPunct="1">
+              <a:defRPr sz="1800" kern="1200">
+                <a:solidFill>
+                  <a:schemeClr val="tx1"/>
+                </a:solidFill>
+                <a:latin typeface="+mn-lt"/>
+                <a:ea typeface="+mn-ea"/>
+                <a:cs typeface="+mn-cs"/>
+              </a:defRPr>
+            </a:lvl2pPr>
+            <a:lvl3pPr marL="914400" algn="l" defTabSz="914400" rtl="0" eaLnBrk="1" latinLnBrk="0" hangingPunct="1">
+              <a:defRPr sz="1800" kern="1200">
+                <a:solidFill>
+                  <a:schemeClr val="tx1"/>
+                </a:solidFill>
+                <a:latin typeface="+mn-lt"/>
+                <a:ea typeface="+mn-ea"/>
+                <a:cs typeface="+mn-cs"/>
+              </a:defRPr>
+            </a:lvl3pPr>
+            <a:lvl4pPr marL="1371600" algn="l" defTabSz="914400" rtl="0" eaLnBrk="1" latinLnBrk="0" hangingPunct="1">
+              <a:defRPr sz="1800" kern="1200">
+                <a:solidFill>
+                  <a:schemeClr val="tx1"/>
+                </a:solidFill>
+                <a:latin typeface="+mn-lt"/>
+                <a:ea typeface="+mn-ea"/>
+                <a:cs typeface="+mn-cs"/>
+              </a:defRPr>
+            </a:lvl4pPr>
+            <a:lvl5pPr marL="1828800" algn="l" defTabSz="914400" rtl="0" eaLnBrk="1" latinLnBrk="0" hangingPunct="1">
+              <a:defRPr sz="1800" kern="1200">
+                <a:solidFill>
+                  <a:schemeClr val="tx1"/>
+                </a:solidFill>
+                <a:latin typeface="+mn-lt"/>
+                <a:ea typeface="+mn-ea"/>
+                <a:cs typeface="+mn-cs"/>
+              </a:defRPr>
+            </a:lvl5pPr>
+            <a:lvl6pPr marL="2286000" algn="l" defTabSz="914400" rtl="0" eaLnBrk="1" latinLnBrk="0" hangingPunct="1">
+              <a:defRPr sz="1800" kern="1200">
+                <a:solidFill>
+                  <a:schemeClr val="tx1"/>
+                </a:solidFill>
+                <a:latin typeface="+mn-lt"/>
+                <a:ea typeface="+mn-ea"/>
+                <a:cs typeface="+mn-cs"/>
+              </a:defRPr>
+            </a:lvl6pPr>
+            <a:lvl7pPr marL="2743200" algn="l" defTabSz="914400" rtl="0" eaLnBrk="1" latinLnBrk="0" hangingPunct="1">
+              <a:defRPr sz="1800" kern="1200">
+                <a:solidFill>
+                  <a:schemeClr val="tx1"/>
+                </a:solidFill>
+                <a:latin typeface="+mn-lt"/>
+                <a:ea typeface="+mn-ea"/>
+                <a:cs typeface="+mn-cs"/>
+              </a:defRPr>
+            </a:lvl7pPr>
+            <a:lvl8pPr marL="3200400" algn="l" defTabSz="914400" rtl="0" eaLnBrk="1" latinLnBrk="0" hangingPunct="1">
+              <a:defRPr sz="1800" kern="1200">
+                <a:solidFill>
+                  <a:schemeClr val="tx1"/>
+                </a:solidFill>
+                <a:latin typeface="+mn-lt"/>
+                <a:ea typeface="+mn-ea"/>
+                <a:cs typeface="+mn-cs"/>
+              </a:defRPr>
+            </a:lvl8pPr>
+            <a:lvl9pPr marL="3657600" algn="l" defTabSz="914400" rtl="0" eaLnBrk="1" latinLnBrk="0" hangingPunct="1">
+              <a:defRPr sz="1800" kern="1200">
+                <a:solidFill>
+                  <a:schemeClr val="tx1"/>
+                </a:solidFill>
+                <a:latin typeface="+mn-lt"/>
+                <a:ea typeface="+mn-ea"/>
+                <a:cs typeface="+mn-cs"/>
+              </a:defRPr>
+            </a:lvl9pPr>
+          </a:lstStyle>
+          <a:p>
+            <a:r>
+              <a:rPr lang="en-US" sz="800" dirty="0" smtClean="0"/>
+              <a:t>Add a synchronisation feature that limits the max number of passengers in each elevator at any one time to 4</a:t>
+            </a:r>
+            <a:endParaRPr lang="en-US" sz="800" dirty="0"/>
+          </a:p>
+        </p:txBody>
+      </p:sp>
     </p:spTree>
   </p:cSld>
   <p:clrMapOvr>
